--- a/docs/presentation/Horizon.pptx
+++ b/docs/presentation/Horizon.pptx
@@ -18,31 +18,38 @@
   <p:notesSz cx="6858000" cy="9144000"/>
   <p:embeddedFontLst>
     <p:embeddedFont>
-      <p:font typeface="Bebas Neue" panose="020B0604020202020204" charset="0"/>
+      <p:font typeface="Bebas Neue" panose="020B0606020202050201" pitchFamily="34" charset="0"/>
       <p:regular r:id="rId8"/>
     </p:embeddedFont>
     <p:embeddedFont>
-      <p:font typeface="Comfortaa" panose="020B0604020202020204" charset="0"/>
+      <p:font typeface="Cambria" panose="02040503050406030204" pitchFamily="18" charset="0"/>
       <p:regular r:id="rId9"/>
       <p:bold r:id="rId10"/>
-    </p:embeddedFont>
-    <p:embeddedFont>
-      <p:font typeface="Montserrat" panose="020B0604020202020204" charset="0"/>
-      <p:regular r:id="rId11"/>
-      <p:bold r:id="rId12"/>
-      <p:italic r:id="rId13"/>
-      <p:boldItalic r:id="rId14"/>
+      <p:italic r:id="rId11"/>
+      <p:boldItalic r:id="rId12"/>
     </p:embeddedFont>
     <p:embeddedFont>
       <p:font typeface="Century" panose="02040604050505020304" pitchFamily="18" charset="0"/>
-      <p:regular r:id="rId15"/>
+      <p:regular r:id="rId13"/>
     </p:embeddedFont>
     <p:embeddedFont>
-      <p:font typeface="Cambria" panose="02040503050406030204" pitchFamily="18" charset="0"/>
-      <p:regular r:id="rId16"/>
-      <p:bold r:id="rId17"/>
-      <p:italic r:id="rId18"/>
-      <p:boldItalic r:id="rId19"/>
+      <p:font typeface="Montserrat" panose="00000500000000000000" pitchFamily="2" charset="-52"/>
+      <p:regular r:id="rId14"/>
+      <p:bold r:id="rId15"/>
+      <p:italic r:id="rId16"/>
+      <p:boldItalic r:id="rId17"/>
+    </p:embeddedFont>
+    <p:embeddedFont>
+      <p:font typeface="Open Sans" panose="020B0606030504020204" pitchFamily="34" charset="0"/>
+      <p:regular r:id="rId18"/>
+      <p:bold r:id="rId19"/>
+      <p:italic r:id="rId20"/>
+      <p:boldItalic r:id="rId21"/>
+    </p:embeddedFont>
+    <p:embeddedFont>
+      <p:font typeface="Roboto Condensed Light" panose="02000000000000000000" pitchFamily="2" charset="0"/>
+      <p:regular r:id="rId22"/>
+      <p:italic r:id="rId23"/>
     </p:embeddedFont>
   </p:embeddedFontLst>
   <p:defaultTextStyle>
@@ -274,7 +281,302 @@
       </a:defRPr>
     </a:lvl9pPr>
   </p:defaultTextStyle>
+  <p:extLst>
+    <p:ext uri="{EFAFB233-063F-42B5-8137-9DF3F51BA10A}">
+      <p15:sldGuideLst xmlns:p15="http://schemas.microsoft.com/office/powerpoint/2012/main"/>
+    </p:ext>
+  </p:extLst>
 </p:presentation>
+</file>
+
+<file path=ppt/revisionInfo.xml><?xml version="1.0" encoding="utf-8"?>
+<p1510:revInfo xmlns:a="http://schemas.openxmlformats.org/drawingml/2006/main" xmlns:r="http://schemas.openxmlformats.org/officeDocument/2006/relationships" xmlns:p1510="http://schemas.microsoft.com/office/powerpoint/2015/10/main">
+  <p1510:revLst>
+    <p1510:client id="{978BEEFD-62D3-4C91-BFC4-F47A4EEB444E}" v="32" dt="2024-01-23T19:29:45.699"/>
+  </p1510:revLst>
+</p1510:revInfo>
+</file>
+
+<file path=ppt/changesInfos/changesInfo1.xml><?xml version="1.0" encoding="utf-8"?>
+<pc:chgInfo xmlns:a="http://schemas.openxmlformats.org/drawingml/2006/main" xmlns:r="http://schemas.openxmlformats.org/officeDocument/2006/relationships" xmlns:ac="http://schemas.microsoft.com/office/drawing/2013/main/command" xmlns:pc="http://schemas.microsoft.com/office/powerpoint/2013/main/command">
+  <pc:docChgLst>
+    <pc:chgData name="Божидар Димов" userId="6c33bdc79629dce9" providerId="LiveId" clId="{978BEEFD-62D3-4C91-BFC4-F47A4EEB444E}"/>
+    <pc:docChg chg="custSel modSld">
+      <pc:chgData name="Божидар Димов" userId="6c33bdc79629dce9" providerId="LiveId" clId="{978BEEFD-62D3-4C91-BFC4-F47A4EEB444E}" dt="2024-01-23T19:31:27.870" v="114" actId="20577"/>
+      <pc:docMkLst>
+        <pc:docMk/>
+      </pc:docMkLst>
+      <pc:sldChg chg="modSp mod">
+        <pc:chgData name="Божидар Димов" userId="6c33bdc79629dce9" providerId="LiveId" clId="{978BEEFD-62D3-4C91-BFC4-F47A4EEB444E}" dt="2024-01-23T19:21:35.330" v="7" actId="1076"/>
+        <pc:sldMkLst>
+          <pc:docMk/>
+          <pc:sldMk cId="0" sldId="260"/>
+        </pc:sldMkLst>
+        <pc:spChg chg="mod">
+          <ac:chgData name="Божидар Димов" userId="6c33bdc79629dce9" providerId="LiveId" clId="{978BEEFD-62D3-4C91-BFC4-F47A4EEB444E}" dt="2024-01-23T19:21:35.330" v="7" actId="1076"/>
+          <ac:spMkLst>
+            <pc:docMk/>
+            <pc:sldMk cId="0" sldId="260"/>
+            <ac:spMk id="23" creationId="{00000000-0000-0000-0000-000000000000}"/>
+          </ac:spMkLst>
+        </pc:spChg>
+        <pc:spChg chg="mod">
+          <ac:chgData name="Божидар Димов" userId="6c33bdc79629dce9" providerId="LiveId" clId="{978BEEFD-62D3-4C91-BFC4-F47A4EEB444E}" dt="2024-01-23T19:21:26.964" v="6" actId="20577"/>
+          <ac:spMkLst>
+            <pc:docMk/>
+            <pc:sldMk cId="0" sldId="260"/>
+            <ac:spMk id="25" creationId="{00000000-0000-0000-0000-000000000000}"/>
+          </ac:spMkLst>
+        </pc:spChg>
+        <pc:spChg chg="mod">
+          <ac:chgData name="Божидар Димов" userId="6c33bdc79629dce9" providerId="LiveId" clId="{978BEEFD-62D3-4C91-BFC4-F47A4EEB444E}" dt="2024-01-23T19:21:20.798" v="4" actId="20577"/>
+          <ac:spMkLst>
+            <pc:docMk/>
+            <pc:sldMk cId="0" sldId="260"/>
+            <ac:spMk id="28" creationId="{00000000-0000-0000-0000-000000000000}"/>
+          </ac:spMkLst>
+        </pc:spChg>
+      </pc:sldChg>
+      <pc:sldChg chg="modSp mod">
+        <pc:chgData name="Божидар Димов" userId="6c33bdc79629dce9" providerId="LiveId" clId="{978BEEFD-62D3-4C91-BFC4-F47A4EEB444E}" dt="2024-01-23T19:31:27.870" v="114" actId="20577"/>
+        <pc:sldMkLst>
+          <pc:docMk/>
+          <pc:sldMk cId="0" sldId="262"/>
+        </pc:sldMkLst>
+        <pc:spChg chg="mod">
+          <ac:chgData name="Божидар Димов" userId="6c33bdc79629dce9" providerId="LiveId" clId="{978BEEFD-62D3-4C91-BFC4-F47A4EEB444E}" dt="2024-01-23T19:31:27.870" v="114" actId="20577"/>
+          <ac:spMkLst>
+            <pc:docMk/>
+            <pc:sldMk cId="0" sldId="262"/>
+            <ac:spMk id="312" creationId="{00000000-0000-0000-0000-000000000000}"/>
+          </ac:spMkLst>
+        </pc:spChg>
+      </pc:sldChg>
+      <pc:sldChg chg="addSp delSp modSp mod">
+        <pc:chgData name="Божидар Димов" userId="6c33bdc79629dce9" providerId="LiveId" clId="{978BEEFD-62D3-4C91-BFC4-F47A4EEB444E}" dt="2024-01-23T19:30:44.845" v="111" actId="1076"/>
+        <pc:sldMkLst>
+          <pc:docMk/>
+          <pc:sldMk cId="0" sldId="266"/>
+        </pc:sldMkLst>
+        <pc:picChg chg="add mod">
+          <ac:chgData name="Божидар Димов" userId="6c33bdc79629dce9" providerId="LiveId" clId="{978BEEFD-62D3-4C91-BFC4-F47A4EEB444E}" dt="2024-01-23T19:30:44.845" v="111" actId="1076"/>
+          <ac:picMkLst>
+            <pc:docMk/>
+            <pc:sldMk cId="0" sldId="266"/>
+            <ac:picMk id="3" creationId="{482C7D88-2E71-E894-C7AE-67DE8AFCAB3C}"/>
+          </ac:picMkLst>
+        </pc:picChg>
+        <pc:picChg chg="mod">
+          <ac:chgData name="Божидар Димов" userId="6c33bdc79629dce9" providerId="LiveId" clId="{978BEEFD-62D3-4C91-BFC4-F47A4EEB444E}" dt="2024-01-23T19:30:17.287" v="100" actId="1076"/>
+          <ac:picMkLst>
+            <pc:docMk/>
+            <pc:sldMk cId="0" sldId="266"/>
+            <ac:picMk id="11" creationId="{7C4FF966-73FD-1491-63A1-FC08E3B7484A}"/>
+          </ac:picMkLst>
+        </pc:picChg>
+        <pc:picChg chg="mod">
+          <ac:chgData name="Божидар Димов" userId="6c33bdc79629dce9" providerId="LiveId" clId="{978BEEFD-62D3-4C91-BFC4-F47A4EEB444E}" dt="2024-01-23T19:30:21.690" v="103" actId="1076"/>
+          <ac:picMkLst>
+            <pc:docMk/>
+            <pc:sldMk cId="0" sldId="266"/>
+            <ac:picMk id="12" creationId="{0C8C6608-8796-6839-7D99-CE4C14CB3B8B}"/>
+          </ac:picMkLst>
+        </pc:picChg>
+        <pc:picChg chg="mod">
+          <ac:chgData name="Божидар Димов" userId="6c33bdc79629dce9" providerId="LiveId" clId="{978BEEFD-62D3-4C91-BFC4-F47A4EEB444E}" dt="2024-01-23T19:30:29.661" v="107" actId="1076"/>
+          <ac:picMkLst>
+            <pc:docMk/>
+            <pc:sldMk cId="0" sldId="266"/>
+            <ac:picMk id="13" creationId="{29E9FD85-7F67-D3B7-DB0E-2FEC73F306CE}"/>
+          </ac:picMkLst>
+        </pc:picChg>
+        <pc:picChg chg="mod">
+          <ac:chgData name="Божидар Димов" userId="6c33bdc79629dce9" providerId="LiveId" clId="{978BEEFD-62D3-4C91-BFC4-F47A4EEB444E}" dt="2024-01-23T19:30:15.347" v="99" actId="1076"/>
+          <ac:picMkLst>
+            <pc:docMk/>
+            <pc:sldMk cId="0" sldId="266"/>
+            <ac:picMk id="14" creationId="{9A4BCAB7-B142-BEB3-CB86-915E5C30C5FE}"/>
+          </ac:picMkLst>
+        </pc:picChg>
+        <pc:picChg chg="mod">
+          <ac:chgData name="Божидар Димов" userId="6c33bdc79629dce9" providerId="LiveId" clId="{978BEEFD-62D3-4C91-BFC4-F47A4EEB444E}" dt="2024-01-23T19:30:20.121" v="102" actId="1076"/>
+          <ac:picMkLst>
+            <pc:docMk/>
+            <pc:sldMk cId="0" sldId="266"/>
+            <ac:picMk id="15" creationId="{9DEAF36D-6E00-E481-A64E-7ADA0DEEE3C6}"/>
+          </ac:picMkLst>
+        </pc:picChg>
+        <pc:picChg chg="del">
+          <ac:chgData name="Божидар Димов" userId="6c33bdc79629dce9" providerId="LiveId" clId="{978BEEFD-62D3-4C91-BFC4-F47A4EEB444E}" dt="2024-01-23T19:22:23.854" v="9" actId="21"/>
+          <ac:picMkLst>
+            <pc:docMk/>
+            <pc:sldMk cId="0" sldId="266"/>
+            <ac:picMk id="16" creationId="{715B8E19-4D71-723B-A89F-D0AEDC99F8F4}"/>
+          </ac:picMkLst>
+        </pc:picChg>
+        <pc:picChg chg="mod">
+          <ac:chgData name="Божидар Димов" userId="6c33bdc79629dce9" providerId="LiveId" clId="{978BEEFD-62D3-4C91-BFC4-F47A4EEB444E}" dt="2024-01-23T19:30:24.829" v="105" actId="1076"/>
+          <ac:picMkLst>
+            <pc:docMk/>
+            <pc:sldMk cId="0" sldId="266"/>
+            <ac:picMk id="17" creationId="{5E0DF4BE-3E1C-8AC8-5157-E1C01A4352D7}"/>
+          </ac:picMkLst>
+        </pc:picChg>
+        <pc:picChg chg="mod">
+          <ac:chgData name="Божидар Димов" userId="6c33bdc79629dce9" providerId="LiveId" clId="{978BEEFD-62D3-4C91-BFC4-F47A4EEB444E}" dt="2024-01-23T19:30:43.332" v="110" actId="1076"/>
+          <ac:picMkLst>
+            <pc:docMk/>
+            <pc:sldMk cId="0" sldId="266"/>
+            <ac:picMk id="18" creationId="{3B80F197-5B0F-4199-0D64-36C4A688B271}"/>
+          </ac:picMkLst>
+        </pc:picChg>
+        <pc:picChg chg="del">
+          <ac:chgData name="Божидар Димов" userId="6c33bdc79629dce9" providerId="LiveId" clId="{978BEEFD-62D3-4C91-BFC4-F47A4EEB444E}" dt="2024-01-23T19:21:42.841" v="8" actId="21"/>
+          <ac:picMkLst>
+            <pc:docMk/>
+            <pc:sldMk cId="0" sldId="266"/>
+            <ac:picMk id="19" creationId="{D50D0B85-C8E0-D49F-D516-22C30C7BCA66}"/>
+          </ac:picMkLst>
+        </pc:picChg>
+        <pc:picChg chg="del">
+          <ac:chgData name="Божидар Димов" userId="6c33bdc79629dce9" providerId="LiveId" clId="{978BEEFD-62D3-4C91-BFC4-F47A4EEB444E}" dt="2024-01-23T19:25:34.433" v="31" actId="21"/>
+          <ac:picMkLst>
+            <pc:docMk/>
+            <pc:sldMk cId="0" sldId="266"/>
+            <ac:picMk id="20" creationId="{122E39DD-DB58-0F44-C929-39A836FECAD7}"/>
+          </ac:picMkLst>
+        </pc:picChg>
+        <pc:picChg chg="del">
+          <ac:chgData name="Божидар Димов" userId="6c33bdc79629dce9" providerId="LiveId" clId="{978BEEFD-62D3-4C91-BFC4-F47A4EEB444E}" dt="2024-01-23T19:22:43.497" v="10" actId="21"/>
+          <ac:picMkLst>
+            <pc:docMk/>
+            <pc:sldMk cId="0" sldId="266"/>
+            <ac:picMk id="21" creationId="{53EBEE60-DDD3-430D-AF72-FC18DA7B6CCE}"/>
+          </ac:picMkLst>
+        </pc:picChg>
+        <pc:picChg chg="add mod">
+          <ac:chgData name="Божидар Димов" userId="6c33bdc79629dce9" providerId="LiveId" clId="{978BEEFD-62D3-4C91-BFC4-F47A4EEB444E}" dt="2024-01-23T19:29:45.699" v="96" actId="1076"/>
+          <ac:picMkLst>
+            <pc:docMk/>
+            <pc:sldMk cId="0" sldId="266"/>
+            <ac:picMk id="1026" creationId="{B1D55ED5-46DA-7FAA-A110-E862BEDD373C}"/>
+          </ac:picMkLst>
+        </pc:picChg>
+      </pc:sldChg>
+      <pc:sldChg chg="addSp delSp modSp">
+        <pc:chgData name="Божидар Димов" userId="6c33bdc79629dce9" providerId="LiveId" clId="{978BEEFD-62D3-4C91-BFC4-F47A4EEB444E}" dt="2024-01-23T19:24:56.883" v="30" actId="14100"/>
+        <pc:sldMkLst>
+          <pc:docMk/>
+          <pc:sldMk cId="0" sldId="274"/>
+        </pc:sldMkLst>
+        <pc:spChg chg="mod">
+          <ac:chgData name="Божидар Димов" userId="6c33bdc79629dce9" providerId="LiveId" clId="{978BEEFD-62D3-4C91-BFC4-F47A4EEB444E}" dt="2024-01-23T19:24:20.188" v="24" actId="14100"/>
+          <ac:spMkLst>
+            <pc:docMk/>
+            <pc:sldMk cId="0" sldId="274"/>
+            <ac:spMk id="650" creationId="{00000000-0000-0000-0000-000000000000}"/>
+          </ac:spMkLst>
+        </pc:spChg>
+        <pc:spChg chg="mod">
+          <ac:chgData name="Божидар Димов" userId="6c33bdc79629dce9" providerId="LiveId" clId="{978BEEFD-62D3-4C91-BFC4-F47A4EEB444E}" dt="2024-01-23T19:24:20.188" v="24" actId="14100"/>
+          <ac:spMkLst>
+            <pc:docMk/>
+            <pc:sldMk cId="0" sldId="274"/>
+            <ac:spMk id="651" creationId="{00000000-0000-0000-0000-000000000000}"/>
+          </ac:spMkLst>
+        </pc:spChg>
+        <pc:spChg chg="mod">
+          <ac:chgData name="Божидар Димов" userId="6c33bdc79629dce9" providerId="LiveId" clId="{978BEEFD-62D3-4C91-BFC4-F47A4EEB444E}" dt="2024-01-23T19:24:20.188" v="24" actId="14100"/>
+          <ac:spMkLst>
+            <pc:docMk/>
+            <pc:sldMk cId="0" sldId="274"/>
+            <ac:spMk id="652" creationId="{00000000-0000-0000-0000-000000000000}"/>
+          </ac:spMkLst>
+        </pc:spChg>
+        <pc:spChg chg="mod">
+          <ac:chgData name="Божидар Димов" userId="6c33bdc79629dce9" providerId="LiveId" clId="{978BEEFD-62D3-4C91-BFC4-F47A4EEB444E}" dt="2024-01-23T19:24:20.188" v="24" actId="14100"/>
+          <ac:spMkLst>
+            <pc:docMk/>
+            <pc:sldMk cId="0" sldId="274"/>
+            <ac:spMk id="653" creationId="{00000000-0000-0000-0000-000000000000}"/>
+          </ac:spMkLst>
+        </pc:spChg>
+        <pc:spChg chg="mod">
+          <ac:chgData name="Божидар Димов" userId="6c33bdc79629dce9" providerId="LiveId" clId="{978BEEFD-62D3-4C91-BFC4-F47A4EEB444E}" dt="2024-01-23T19:24:20.188" v="24" actId="14100"/>
+          <ac:spMkLst>
+            <pc:docMk/>
+            <pc:sldMk cId="0" sldId="274"/>
+            <ac:spMk id="654" creationId="{00000000-0000-0000-0000-000000000000}"/>
+          </ac:spMkLst>
+        </pc:spChg>
+        <pc:spChg chg="mod">
+          <ac:chgData name="Божидар Димов" userId="6c33bdc79629dce9" providerId="LiveId" clId="{978BEEFD-62D3-4C91-BFC4-F47A4EEB444E}" dt="2024-01-23T19:24:20.188" v="24" actId="14100"/>
+          <ac:spMkLst>
+            <pc:docMk/>
+            <pc:sldMk cId="0" sldId="274"/>
+            <ac:spMk id="655" creationId="{00000000-0000-0000-0000-000000000000}"/>
+          </ac:spMkLst>
+        </pc:spChg>
+        <pc:spChg chg="mod">
+          <ac:chgData name="Божидар Димов" userId="6c33bdc79629dce9" providerId="LiveId" clId="{978BEEFD-62D3-4C91-BFC4-F47A4EEB444E}" dt="2024-01-23T19:24:20.188" v="24" actId="14100"/>
+          <ac:spMkLst>
+            <pc:docMk/>
+            <pc:sldMk cId="0" sldId="274"/>
+            <ac:spMk id="656" creationId="{00000000-0000-0000-0000-000000000000}"/>
+          </ac:spMkLst>
+        </pc:spChg>
+        <pc:grpChg chg="add del mod">
+          <ac:chgData name="Божидар Димов" userId="6c33bdc79629dce9" providerId="LiveId" clId="{978BEEFD-62D3-4C91-BFC4-F47A4EEB444E}" dt="2024-01-23T19:24:20.188" v="24" actId="14100"/>
+          <ac:grpSpMkLst>
+            <pc:docMk/>
+            <pc:sldMk cId="0" sldId="274"/>
+            <ac:grpSpMk id="649" creationId="{00000000-0000-0000-0000-000000000000}"/>
+          </ac:grpSpMkLst>
+        </pc:grpChg>
+        <pc:picChg chg="mod">
+          <ac:chgData name="Божидар Димов" userId="6c33bdc79629dce9" providerId="LiveId" clId="{978BEEFD-62D3-4C91-BFC4-F47A4EEB444E}" dt="2024-01-23T19:20:39.588" v="2" actId="1076"/>
+          <ac:picMkLst>
+            <pc:docMk/>
+            <pc:sldMk cId="0" sldId="274"/>
+            <ac:picMk id="1026" creationId="{00000000-0000-0000-0000-000000000000}"/>
+          </ac:picMkLst>
+        </pc:picChg>
+        <pc:picChg chg="del mod">
+          <ac:chgData name="Божидар Димов" userId="6c33bdc79629dce9" providerId="LiveId" clId="{978BEEFD-62D3-4C91-BFC4-F47A4EEB444E}" dt="2024-01-23T19:23:47.066" v="18" actId="21"/>
+          <ac:picMkLst>
+            <pc:docMk/>
+            <pc:sldMk cId="0" sldId="274"/>
+            <ac:picMk id="1028" creationId="{00000000-0000-0000-0000-000000000000}"/>
+          </ac:picMkLst>
+        </pc:picChg>
+        <pc:picChg chg="mod">
+          <ac:chgData name="Божидар Димов" userId="6c33bdc79629dce9" providerId="LiveId" clId="{978BEEFD-62D3-4C91-BFC4-F47A4EEB444E}" dt="2024-01-23T19:21:05.774" v="3" actId="1440"/>
+          <ac:picMkLst>
+            <pc:docMk/>
+            <pc:sldMk cId="0" sldId="274"/>
+            <ac:picMk id="1030" creationId="{00000000-0000-0000-0000-000000000000}"/>
+          </ac:picMkLst>
+        </pc:picChg>
+        <pc:picChg chg="mod">
+          <ac:chgData name="Божидар Димов" userId="6c33bdc79629dce9" providerId="LiveId" clId="{978BEEFD-62D3-4C91-BFC4-F47A4EEB444E}" dt="2024-01-23T19:24:50.029" v="28" actId="1076"/>
+          <ac:picMkLst>
+            <pc:docMk/>
+            <pc:sldMk cId="0" sldId="274"/>
+            <ac:picMk id="1032" creationId="{00000000-0000-0000-0000-000000000000}"/>
+          </ac:picMkLst>
+        </pc:picChg>
+        <pc:picChg chg="add del mod">
+          <ac:chgData name="Божидар Димов" userId="6c33bdc79629dce9" providerId="LiveId" clId="{978BEEFD-62D3-4C91-BFC4-F47A4EEB444E}" dt="2024-01-23T19:24:56.883" v="30" actId="14100"/>
+          <ac:picMkLst>
+            <pc:docMk/>
+            <pc:sldMk cId="0" sldId="274"/>
+            <ac:picMk id="2050" creationId="{B7DFEB29-83E7-D9B9-F7BD-0A77FFD1EBE7}"/>
+          </ac:picMkLst>
+        </pc:picChg>
+      </pc:sldChg>
+    </pc:docChg>
+  </pc:docChgLst>
+</pc:chgInfo>
 </file>
 
 <file path=ppt/notesMasters/notesMaster1.xml><?xml version="1.0" encoding="utf-8"?>
@@ -7549,7 +7851,7 @@
               <a:buNone/>
             </a:pPr>
             <a:r>
-              <a:rPr lang="en-US" dirty="0" smtClean="0">
+              <a:rPr lang="en-US" dirty="0">
                 <a:latin typeface="Century" panose="02040604050505020304" pitchFamily="18" charset="0"/>
               </a:rPr>
               <a:t>Horizon</a:t>
@@ -7910,13 +8212,6 @@
   <p:clrMapOvr>
     <a:masterClrMapping/>
   </p:clrMapOvr>
-  <p:timing>
-    <p:tnLst>
-      <p:par>
-        <p:cTn id="1" dur="indefinite" restart="never" nodeType="tmRoot"/>
-      </p:par>
-    </p:tnLst>
-  </p:timing>
 </p:sld>
 </file>
 
@@ -8016,7 +8311,7 @@
               <a:buNone/>
             </a:pPr>
             <a:r>
-              <a:rPr lang="en-US" dirty="0" smtClean="0">
+              <a:rPr lang="en-US" dirty="0">
                 <a:latin typeface="Cambria" panose="02040503050406030204" pitchFamily="18" charset="0"/>
                 <a:ea typeface="Cambria" panose="02040503050406030204" pitchFamily="18" charset="0"/>
               </a:rPr>
@@ -8067,7 +8362,7 @@
               <a:buNone/>
             </a:pPr>
             <a:r>
-              <a:rPr lang="en" dirty="0" smtClean="0">
+              <a:rPr lang="en" dirty="0">
                 <a:latin typeface="Times New Roman" panose="02020603050405020304" pitchFamily="18" charset="0"/>
                 <a:cs typeface="Times New Roman" panose="02020603050405020304" pitchFamily="18" charset="0"/>
               </a:rPr>
@@ -8115,7 +8410,7 @@
               <a:buNone/>
             </a:pPr>
             <a:r>
-              <a:rPr lang="en" dirty="0" smtClean="0">
+              <a:rPr lang="en" dirty="0">
                 <a:latin typeface="Times New Roman" panose="02020603050405020304" pitchFamily="18" charset="0"/>
                 <a:cs typeface="Times New Roman" panose="02020603050405020304" pitchFamily="18" charset="0"/>
               </a:rPr>
@@ -8952,8 +9247,8 @@
         </p:nvGrpSpPr>
         <p:grpSpPr>
           <a:xfrm rot="1362083">
-            <a:off x="987460" y="3604100"/>
-            <a:ext cx="460771" cy="457784"/>
+            <a:off x="-3708107" y="3392483"/>
+            <a:ext cx="109348" cy="99947"/>
             <a:chOff x="4747528" y="3391597"/>
             <a:chExt cx="313292" cy="311242"/>
           </a:xfrm>
@@ -9924,52 +10219,25 @@
         </p:blipFill>
         <p:spPr bwMode="auto">
           <a:xfrm>
-            <a:off x="4416028" y="1555509"/>
+            <a:off x="4421003" y="1461900"/>
             <a:ext cx="1056798" cy="1409064"/>
           </a:xfrm>
-          <a:prstGeom prst="rect">
-            <a:avLst/>
+          <a:prstGeom prst="roundRect">
+            <a:avLst>
+              <a:gd name="adj" fmla="val 8594"/>
+            </a:avLst>
           </a:prstGeom>
-          <a:noFill/>
-          <a:extLst>
-            <a:ext uri="{909E8E84-426E-40DD-AFC4-6F175D3DCCD1}">
-              <a14:hiddenFill xmlns:a14="http://schemas.microsoft.com/office/drawing/2010/main">
-                <a:solidFill>
-                  <a:srgbClr val="FFFFFF"/>
-                </a:solidFill>
-              </a14:hiddenFill>
-            </a:ext>
-          </a:extLst>
-        </p:spPr>
-      </p:pic>
-      <p:pic>
-        <p:nvPicPr>
-          <p:cNvPr id="1028" name="Picture 4" descr="View TDTanev21's full-sized avatar"/>
-          <p:cNvPicPr>
-            <a:picLocks noChangeAspect="1" noChangeArrowheads="1"/>
-          </p:cNvPicPr>
-          <p:nvPr/>
-        </p:nvPicPr>
-        <p:blipFill rotWithShape="1">
-          <a:blip r:embed="rId4">
-            <a:extLst>
-              <a:ext uri="{28A0092B-C50C-407E-A947-70E740481C1C}">
-                <a14:useLocalDpi xmlns:a14="http://schemas.microsoft.com/office/drawing/2010/main" val="0"/>
-              </a:ext>
-            </a:extLst>
-          </a:blip>
-          <a:srcRect l="12500" r="12500"/>
-          <a:stretch/>
-        </p:blipFill>
-        <p:spPr bwMode="auto">
-          <a:xfrm>
-            <a:off x="755103" y="3150829"/>
-            <a:ext cx="1056741" cy="1408988"/>
-          </a:xfrm>
-          <a:prstGeom prst="rect">
-            <a:avLst/>
-          </a:prstGeom>
-          <a:noFill/>
+          <a:solidFill>
+            <a:srgbClr val="FFFFFF">
+              <a:shade val="85000"/>
+            </a:srgbClr>
+          </a:solidFill>
+          <a:ln>
+            <a:noFill/>
+          </a:ln>
+          <a:effectLst>
+            <a:reflection blurRad="12700" stA="38000" endPos="28000" dist="5000" dir="5400000" sy="-100000" algn="bl" rotWithShape="0"/>
+          </a:effectLst>
           <a:extLst>
             <a:ext uri="{909E8E84-426E-40DD-AFC4-6F175D3DCCD1}">
               <a14:hiddenFill xmlns:a14="http://schemas.microsoft.com/office/drawing/2010/main">
@@ -9990,7 +10258,7 @@
           <p:nvPr/>
         </p:nvPicPr>
         <p:blipFill rotWithShape="1">
-          <a:blip r:embed="rId5">
+          <a:blip r:embed="rId4">
             <a:extLst>
               <a:ext uri="{28A0092B-C50C-407E-A947-70E740481C1C}">
                 <a14:useLocalDpi xmlns:a14="http://schemas.microsoft.com/office/drawing/2010/main" val="0"/>
@@ -10005,10 +10273,22 @@
             <a:off x="4418687" y="3092235"/>
             <a:ext cx="1051479" cy="1401972"/>
           </a:xfrm>
-          <a:prstGeom prst="rect">
-            <a:avLst/>
+          <a:prstGeom prst="roundRect">
+            <a:avLst>
+              <a:gd name="adj" fmla="val 8594"/>
+            </a:avLst>
           </a:prstGeom>
-          <a:noFill/>
+          <a:solidFill>
+            <a:srgbClr val="FFFFFF">
+              <a:shade val="85000"/>
+            </a:srgbClr>
+          </a:solidFill>
+          <a:ln>
+            <a:noFill/>
+          </a:ln>
+          <a:effectLst>
+            <a:reflection blurRad="12700" stA="38000" endPos="28000" dist="5000" dir="5400000" sy="-100000" algn="bl" rotWithShape="0"/>
+          </a:effectLst>
           <a:extLst>
             <a:ext uri="{909E8E84-426E-40DD-AFC4-6F175D3DCCD1}">
               <a14:hiddenFill xmlns:a14="http://schemas.microsoft.com/office/drawing/2010/main">
@@ -10029,7 +10309,7 @@
           <p:nvPr/>
         </p:nvPicPr>
         <p:blipFill rotWithShape="1">
-          <a:blip r:embed="rId6">
+          <a:blip r:embed="rId5">
             <a:extLst>
               <a:ext uri="{28A0092B-C50C-407E-A947-70E740481C1C}">
                 <a14:useLocalDpi xmlns:a14="http://schemas.microsoft.com/office/drawing/2010/main" val="0"/>
@@ -10041,13 +10321,25 @@
         </p:blipFill>
         <p:spPr bwMode="auto">
           <a:xfrm>
-            <a:off x="712039" y="1426753"/>
+            <a:off x="646143" y="1425136"/>
             <a:ext cx="1082040" cy="1442720"/>
           </a:xfrm>
-          <a:prstGeom prst="rect">
-            <a:avLst/>
+          <a:prstGeom prst="roundRect">
+            <a:avLst>
+              <a:gd name="adj" fmla="val 8594"/>
+            </a:avLst>
           </a:prstGeom>
-          <a:noFill/>
+          <a:solidFill>
+            <a:srgbClr val="FFFFFF">
+              <a:shade val="85000"/>
+            </a:srgbClr>
+          </a:solidFill>
+          <a:ln>
+            <a:noFill/>
+          </a:ln>
+          <a:effectLst>
+            <a:reflection blurRad="12700" stA="38000" endPos="28000" dist="5000" dir="5400000" sy="-100000" algn="bl" rotWithShape="0"/>
+          </a:effectLst>
           <a:extLst>
             <a:ext uri="{909E8E84-426E-40DD-AFC4-6F175D3DCCD1}">
               <a14:hiddenFill xmlns:a14="http://schemas.microsoft.com/office/drawing/2010/main">
@@ -10094,7 +10386,7 @@
               <a:buNone/>
             </a:pPr>
             <a:r>
-              <a:rPr lang="en" dirty="0" smtClean="0">
+              <a:rPr lang="en" dirty="0">
                 <a:latin typeface="Times New Roman" panose="02020603050405020304" pitchFamily="18" charset="0"/>
                 <a:cs typeface="Times New Roman" panose="02020603050405020304" pitchFamily="18" charset="0"/>
               </a:rPr>
@@ -10142,7 +10434,7 @@
               <a:buNone/>
             </a:pPr>
             <a:r>
-              <a:rPr lang="en" dirty="0" smtClean="0">
+              <a:rPr lang="en" dirty="0">
                 <a:latin typeface="Times New Roman" panose="02020603050405020304" pitchFamily="18" charset="0"/>
                 <a:cs typeface="Times New Roman" panose="02020603050405020304" pitchFamily="18" charset="0"/>
               </a:rPr>
@@ -10190,7 +10482,7 @@
               <a:buNone/>
             </a:pPr>
             <a:r>
-              <a:rPr lang="en" dirty="0" smtClean="0">
+              <a:rPr lang="en" dirty="0">
                 <a:latin typeface="Times New Roman" panose="02020603050405020304" pitchFamily="18" charset="0"/>
                 <a:cs typeface="Times New Roman" panose="02020603050405020304" pitchFamily="18" charset="0"/>
               </a:rPr>
@@ -10238,7 +10530,7 @@
               <a:buNone/>
             </a:pPr>
             <a:r>
-              <a:rPr lang="en" dirty="0" smtClean="0">
+              <a:rPr lang="en" dirty="0">
                 <a:latin typeface="Times New Roman" panose="02020603050405020304" pitchFamily="18" charset="0"/>
                 <a:cs typeface="Times New Roman" panose="02020603050405020304" pitchFamily="18" charset="0"/>
               </a:rPr>
@@ -10286,7 +10578,7 @@
               <a:buNone/>
             </a:pPr>
             <a:r>
-              <a:rPr lang="en" dirty="0" smtClean="0">
+              <a:rPr lang="en" dirty="0">
                 <a:latin typeface="Times New Roman" panose="02020603050405020304" pitchFamily="18" charset="0"/>
                 <a:cs typeface="Times New Roman" panose="02020603050405020304" pitchFamily="18" charset="0"/>
               </a:rPr>
@@ -10335,7 +10627,7 @@
               <a:buNone/>
             </a:pPr>
             <a:r>
-              <a:rPr lang="en" dirty="0" smtClean="0">
+              <a:rPr lang="en" dirty="0">
                 <a:latin typeface="Times New Roman" panose="02020603050405020304" pitchFamily="18" charset="0"/>
                 <a:cs typeface="Times New Roman" panose="02020603050405020304" pitchFamily="18" charset="0"/>
               </a:rPr>
@@ -10348,18 +10640,70 @@
           </a:p>
         </p:txBody>
       </p:sp>
+      <p:pic>
+        <p:nvPicPr>
+          <p:cNvPr id="2050" name="Picture 2">
+            <a:extLst>
+              <a:ext uri="{FF2B5EF4-FFF2-40B4-BE49-F238E27FC236}">
+                <a16:creationId xmlns:a16="http://schemas.microsoft.com/office/drawing/2014/main" id="{B7DFEB29-83E7-D9B9-F7BD-0A77FFD1EBE7}"/>
+              </a:ext>
+            </a:extLst>
+          </p:cNvPr>
+          <p:cNvPicPr>
+            <a:picLocks noChangeAspect="1" noChangeArrowheads="1"/>
+          </p:cNvPicPr>
+          <p:nvPr/>
+        </p:nvPicPr>
+        <p:blipFill>
+          <a:blip r:embed="rId6">
+            <a:extLst>
+              <a:ext uri="{28A0092B-C50C-407E-A947-70E740481C1C}">
+                <a14:useLocalDpi xmlns:a14="http://schemas.microsoft.com/office/drawing/2010/main" val="0"/>
+              </a:ext>
+            </a:extLst>
+          </a:blip>
+          <a:srcRect/>
+          <a:stretch>
+            <a:fillRect/>
+          </a:stretch>
+        </p:blipFill>
+        <p:spPr bwMode="auto">
+          <a:xfrm>
+            <a:off x="584132" y="3089622"/>
+            <a:ext cx="1154896" cy="1401972"/>
+          </a:xfrm>
+          <a:prstGeom prst="roundRect">
+            <a:avLst>
+              <a:gd name="adj" fmla="val 8594"/>
+            </a:avLst>
+          </a:prstGeom>
+          <a:solidFill>
+            <a:srgbClr val="FFFFFF">
+              <a:shade val="85000"/>
+            </a:srgbClr>
+          </a:solidFill>
+          <a:ln>
+            <a:noFill/>
+          </a:ln>
+          <a:effectLst>
+            <a:reflection blurRad="12700" stA="38000" endPos="28000" dist="5000" dir="5400000" sy="-100000" algn="bl" rotWithShape="0"/>
+          </a:effectLst>
+          <a:extLst>
+            <a:ext uri="{909E8E84-426E-40DD-AFC4-6F175D3DCCD1}">
+              <a14:hiddenFill xmlns:a14="http://schemas.microsoft.com/office/drawing/2010/main">
+                <a:solidFill>
+                  <a:srgbClr val="FFFFFF"/>
+                </a:solidFill>
+              </a14:hiddenFill>
+            </a:ext>
+          </a:extLst>
+        </p:spPr>
+      </p:pic>
     </p:spTree>
   </p:cSld>
   <p:clrMapOvr>
     <a:masterClrMapping/>
   </p:clrMapOvr>
-  <p:timing>
-    <p:tnLst>
-      <p:par>
-        <p:cTn id="1" dur="indefinite" restart="never" nodeType="tmRoot"/>
-      </p:par>
-    </p:tnLst>
-  </p:timing>
 </p:sld>
 </file>
 
@@ -11180,21 +11524,21 @@
           <a:p>
             <a:pPr algn="ctr"/>
             <a:r>
-              <a:rPr lang="en-US" sz="2000" smtClean="0">
+              <a:rPr lang="en-US" sz="2000">
                 <a:latin typeface="Cambria" panose="02040503050406030204" pitchFamily="18" charset="0"/>
                 <a:ea typeface="Cambria" panose="02040503050406030204" pitchFamily="18" charset="0"/>
               </a:rPr>
               <a:t>1</a:t>
             </a:r>
             <a:r>
-              <a:rPr lang="en-US" sz="2000" baseline="30000" smtClean="0">
+              <a:rPr lang="en-US" sz="2000" baseline="30000">
                 <a:latin typeface="Cambria" panose="02040503050406030204" pitchFamily="18" charset="0"/>
                 <a:ea typeface="Cambria" panose="02040503050406030204" pitchFamily="18" charset="0"/>
               </a:rPr>
               <a:t>st</a:t>
             </a:r>
             <a:r>
-              <a:rPr lang="en-US" sz="2000" smtClean="0">
+              <a:rPr lang="en-US" sz="2000">
                 <a:latin typeface="Cambria" panose="02040503050406030204" pitchFamily="18" charset="0"/>
                 <a:ea typeface="Cambria" panose="02040503050406030204" pitchFamily="18" charset="0"/>
               </a:rPr>
@@ -11482,21 +11826,21 @@
           <a:p>
             <a:pPr algn="ctr"/>
             <a:r>
-              <a:rPr lang="en-US" sz="2000" smtClean="0">
+              <a:rPr lang="en-US" sz="2000">
                 <a:latin typeface="Cambria" panose="02040503050406030204" pitchFamily="18" charset="0"/>
                 <a:ea typeface="Cambria" panose="02040503050406030204" pitchFamily="18" charset="0"/>
               </a:rPr>
               <a:t>2</a:t>
             </a:r>
             <a:r>
-              <a:rPr lang="en-US" sz="2000" baseline="30000" smtClean="0">
+              <a:rPr lang="en-US" sz="2000" baseline="30000">
                 <a:latin typeface="Cambria" panose="02040503050406030204" pitchFamily="18" charset="0"/>
                 <a:ea typeface="Cambria" panose="02040503050406030204" pitchFamily="18" charset="0"/>
               </a:rPr>
               <a:t>nd</a:t>
             </a:r>
             <a:r>
-              <a:rPr lang="en-US" sz="2000" smtClean="0">
+              <a:rPr lang="en-US" sz="2000">
                 <a:latin typeface="Cambria" panose="02040503050406030204" pitchFamily="18" charset="0"/>
                 <a:ea typeface="Cambria" panose="02040503050406030204" pitchFamily="18" charset="0"/>
               </a:rPr>
@@ -11521,7 +11865,7 @@
         </p:nvSpPr>
         <p:spPr>
           <a:xfrm>
-            <a:off x="2690918" y="3008827"/>
+            <a:off x="2693750" y="3079668"/>
             <a:ext cx="1731900" cy="923984"/>
           </a:xfrm>
           <a:prstGeom prst="rect">
@@ -11554,37 +11898,7 @@
                 <a:latin typeface="Times New Roman" panose="02020603050405020304" pitchFamily="18" charset="0"/>
                 <a:cs typeface="Times New Roman" panose="02020603050405020304" pitchFamily="18" charset="0"/>
               </a:rPr>
-              <a:t>We made the basic design of the </a:t>
-            </a:r>
-            <a:r>
-              <a:rPr lang="en" dirty="0" smtClean="0">
-                <a:solidFill>
-                  <a:schemeClr val="dk1"/>
-                </a:solidFill>
-                <a:latin typeface="Times New Roman" panose="02020603050405020304" pitchFamily="18" charset="0"/>
-                <a:cs typeface="Times New Roman" panose="02020603050405020304" pitchFamily="18" charset="0"/>
-              </a:rPr>
-              <a:t>app </a:t>
-            </a:r>
-            <a:r>
-              <a:rPr lang="en" dirty="0">
-                <a:solidFill>
-                  <a:schemeClr val="dk1"/>
-                </a:solidFill>
-                <a:latin typeface="Times New Roman" panose="02020603050405020304" pitchFamily="18" charset="0"/>
-                <a:cs typeface="Times New Roman" panose="02020603050405020304" pitchFamily="18" charset="0"/>
-              </a:rPr>
-              <a:t>and created our </a:t>
-            </a:r>
-            <a:r>
-              <a:rPr lang="en" dirty="0" smtClean="0">
-                <a:solidFill>
-                  <a:schemeClr val="dk1"/>
-                </a:solidFill>
-                <a:latin typeface="Times New Roman" panose="02020603050405020304" pitchFamily="18" charset="0"/>
-                <a:cs typeface="Times New Roman" panose="02020603050405020304" pitchFamily="18" charset="0"/>
-              </a:rPr>
-              <a:t>login/register form</a:t>
+              <a:t>We made the basic design of the app and created our login/register form.</a:t>
             </a:r>
             <a:endParaRPr dirty="0">
               <a:solidFill>
@@ -11871,21 +12185,21 @@
           <a:p>
             <a:pPr algn="ctr"/>
             <a:r>
-              <a:rPr lang="en-US" sz="2000" smtClean="0">
+              <a:rPr lang="en-US" sz="2000">
                 <a:latin typeface="Cambria" panose="02040503050406030204" pitchFamily="18" charset="0"/>
                 <a:ea typeface="Cambria" panose="02040503050406030204" pitchFamily="18" charset="0"/>
               </a:rPr>
               <a:t>3</a:t>
             </a:r>
             <a:r>
-              <a:rPr lang="en-US" sz="2000" baseline="30000" smtClean="0">
+              <a:rPr lang="en-US" sz="2000" baseline="30000">
                 <a:latin typeface="Cambria" panose="02040503050406030204" pitchFamily="18" charset="0"/>
                 <a:ea typeface="Cambria" panose="02040503050406030204" pitchFamily="18" charset="0"/>
               </a:rPr>
               <a:t>rd</a:t>
             </a:r>
             <a:r>
-              <a:rPr lang="en-US" sz="2000" smtClean="0">
+              <a:rPr lang="en-US" sz="2000">
                 <a:latin typeface="Cambria" panose="02040503050406030204" pitchFamily="18" charset="0"/>
                 <a:ea typeface="Cambria" panose="02040503050406030204" pitchFamily="18" charset="0"/>
               </a:rPr>
@@ -11943,27 +12257,7 @@
                 <a:latin typeface="Times New Roman" panose="02020603050405020304" pitchFamily="18" charset="0"/>
                 <a:cs typeface="Times New Roman" panose="02020603050405020304" pitchFamily="18" charset="0"/>
               </a:rPr>
-              <a:t>We started implementing our </a:t>
-            </a:r>
-            <a:r>
-              <a:rPr lang="en-US" dirty="0" smtClean="0">
-                <a:solidFill>
-                  <a:schemeClr val="dk1"/>
-                </a:solidFill>
-                <a:latin typeface="Times New Roman" panose="02020603050405020304" pitchFamily="18" charset="0"/>
-                <a:cs typeface="Times New Roman" panose="02020603050405020304" pitchFamily="18" charset="0"/>
-              </a:rPr>
-              <a:t>app </a:t>
-            </a:r>
-            <a:r>
-              <a:rPr lang="en-US" dirty="0">
-                <a:solidFill>
-                  <a:schemeClr val="dk1"/>
-                </a:solidFill>
-                <a:latin typeface="Times New Roman" panose="02020603050405020304" pitchFamily="18" charset="0"/>
-                <a:cs typeface="Times New Roman" panose="02020603050405020304" pitchFamily="18" charset="0"/>
-              </a:rPr>
-              <a:t>idea through code</a:t>
+              <a:t>We started implementing our app idea through code.</a:t>
             </a:r>
             <a:endParaRPr dirty="0">
               <a:solidFill>
@@ -12250,21 +12544,21 @@
           <a:p>
             <a:pPr algn="ctr"/>
             <a:r>
-              <a:rPr lang="en-US" sz="2000" smtClean="0">
+              <a:rPr lang="en-US" sz="2000">
                 <a:latin typeface="Cambria" panose="02040503050406030204" pitchFamily="18" charset="0"/>
                 <a:ea typeface="Cambria" panose="02040503050406030204" pitchFamily="18" charset="0"/>
               </a:rPr>
               <a:t>4</a:t>
             </a:r>
             <a:r>
-              <a:rPr lang="en-US" sz="2000" baseline="30000" smtClean="0">
+              <a:rPr lang="en-US" sz="2000" baseline="30000">
                 <a:latin typeface="Cambria" panose="02040503050406030204" pitchFamily="18" charset="0"/>
                 <a:ea typeface="Cambria" panose="02040503050406030204" pitchFamily="18" charset="0"/>
               </a:rPr>
               <a:t>th</a:t>
             </a:r>
             <a:r>
-              <a:rPr lang="en-US" sz="2000" smtClean="0">
+              <a:rPr lang="en-US" sz="2000">
                 <a:latin typeface="Cambria" panose="02040503050406030204" pitchFamily="18" charset="0"/>
                 <a:ea typeface="Cambria" panose="02040503050406030204" pitchFamily="18" charset="0"/>
               </a:rPr>
@@ -12322,27 +12616,7 @@
                 <a:latin typeface="Times New Roman" panose="02020603050405020304" pitchFamily="18" charset="0"/>
                 <a:cs typeface="Times New Roman" panose="02020603050405020304" pitchFamily="18" charset="0"/>
               </a:rPr>
-              <a:t>The last week we have been focusing on finishing the </a:t>
-            </a:r>
-            <a:r>
-              <a:rPr lang="en-US" dirty="0" smtClean="0">
-                <a:solidFill>
-                  <a:schemeClr val="dk1"/>
-                </a:solidFill>
-                <a:latin typeface="Times New Roman" panose="02020603050405020304" pitchFamily="18" charset="0"/>
-                <a:cs typeface="Times New Roman" panose="02020603050405020304" pitchFamily="18" charset="0"/>
-              </a:rPr>
-              <a:t>app </a:t>
-            </a:r>
-            <a:r>
-              <a:rPr lang="en-US" dirty="0">
-                <a:solidFill>
-                  <a:schemeClr val="dk1"/>
-                </a:solidFill>
-                <a:latin typeface="Times New Roman" panose="02020603050405020304" pitchFamily="18" charset="0"/>
-                <a:cs typeface="Times New Roman" panose="02020603050405020304" pitchFamily="18" charset="0"/>
-              </a:rPr>
-              <a:t>and the documentation.</a:t>
+              <a:t>The last week we have been focusing on finishing the app and the documentation.</a:t>
             </a:r>
             <a:endParaRPr dirty="0">
               <a:solidFill>
@@ -12399,17 +12673,7 @@
                 <a:latin typeface="Times New Roman" panose="02020603050405020304" pitchFamily="18" charset="0"/>
                 <a:cs typeface="Times New Roman" panose="02020603050405020304" pitchFamily="18" charset="0"/>
               </a:rPr>
-              <a:t>We created our logo and discussed ideas about the </a:t>
-            </a:r>
-            <a:r>
-              <a:rPr lang="en" dirty="0" smtClean="0">
-                <a:solidFill>
-                  <a:schemeClr val="dk1"/>
-                </a:solidFill>
-                <a:latin typeface="Times New Roman" panose="02020603050405020304" pitchFamily="18" charset="0"/>
-                <a:cs typeface="Times New Roman" panose="02020603050405020304" pitchFamily="18" charset="0"/>
-              </a:rPr>
-              <a:t>app</a:t>
+              <a:t>We created our logo and discussed ideas about the app.</a:t>
             </a:r>
             <a:endParaRPr dirty="0">
               <a:solidFill>
@@ -12426,13 +12690,6 @@
   <p:clrMapOvr>
     <a:masterClrMapping/>
   </p:clrMapOvr>
-  <p:timing>
-    <p:tnLst>
-      <p:par>
-        <p:cTn id="1" dur="indefinite" restart="never" nodeType="tmRoot"/>
-      </p:par>
-    </p:tnLst>
-  </p:timing>
 </p:sld>
 </file>
 
@@ -12707,7 +12964,7 @@
           <a:blip r:embed="rId3">
             <a:extLst>
               <a:ext uri="{837473B0-CC2E-450A-ABE3-18F120FF3D39}">
-                <a1611:picAttrSrcUrl xmlns:a1611="http://schemas.microsoft.com/office/drawing/2016/11/main" xmlns="" r:id="rId4"/>
+                <a1611:picAttrSrcUrl xmlns:a1611="http://schemas.microsoft.com/office/drawing/2016/11/main" r:id="rId4"/>
               </a:ext>
             </a:extLst>
           </a:blip>
@@ -12717,8 +12974,8 @@
         </p:blipFill>
         <p:spPr>
           <a:xfrm>
-            <a:off x="315996" y="1402556"/>
-            <a:ext cx="1191918" cy="1108484"/>
+            <a:off x="3182053" y="3725465"/>
+            <a:ext cx="998501" cy="928606"/>
           </a:xfrm>
           <a:prstGeom prst="rect">
             <a:avLst/>
@@ -12747,7 +13004,7 @@
         </p:blipFill>
         <p:spPr>
           <a:xfrm>
-            <a:off x="1787778" y="1796328"/>
+            <a:off x="-159750" y="1470389"/>
             <a:ext cx="1883827" cy="1255885"/>
           </a:xfrm>
           <a:prstGeom prst="rect">
@@ -12773,7 +13030,7 @@
           <a:blip r:embed="rId6">
             <a:extLst>
               <a:ext uri="{837473B0-CC2E-450A-ABE3-18F120FF3D39}">
-                <a1611:picAttrSrcUrl xmlns:a1611="http://schemas.microsoft.com/office/drawing/2016/11/main" xmlns="" r:id="rId7"/>
+                <a1611:picAttrSrcUrl xmlns:a1611="http://schemas.microsoft.com/office/drawing/2016/11/main" r:id="rId7"/>
               </a:ext>
             </a:extLst>
           </a:blip>
@@ -12783,7 +13040,7 @@
         </p:blipFill>
         <p:spPr>
           <a:xfrm>
-            <a:off x="4074542" y="1283314"/>
+            <a:off x="3456514" y="2178019"/>
             <a:ext cx="986049" cy="1108484"/>
           </a:xfrm>
           <a:prstGeom prst="rect">
@@ -12809,7 +13066,7 @@
           <a:blip r:embed="rId8">
             <a:extLst>
               <a:ext uri="{837473B0-CC2E-450A-ABE3-18F120FF3D39}">
-                <a1611:picAttrSrcUrl xmlns:a1611="http://schemas.microsoft.com/office/drawing/2016/11/main" xmlns="" r:id="rId9"/>
+                <a1611:picAttrSrcUrl xmlns:a1611="http://schemas.microsoft.com/office/drawing/2016/11/main" r:id="rId9"/>
               </a:ext>
             </a:extLst>
           </a:blip>
@@ -12819,7 +13076,7 @@
         </p:blipFill>
         <p:spPr>
           <a:xfrm>
-            <a:off x="522561" y="3025899"/>
+            <a:off x="5373968" y="2889796"/>
             <a:ext cx="1255886" cy="1255886"/>
           </a:xfrm>
           <a:prstGeom prst="rect">
@@ -12854,7 +13111,7 @@
                 </a14:imgProps>
               </a:ext>
               <a:ext uri="{837473B0-CC2E-450A-ABE3-18F120FF3D39}">
-                <a1611:picAttrSrcUrl xmlns:a1611="http://schemas.microsoft.com/office/drawing/2016/11/main" xmlns="" r:id="rId12"/>
+                <a1611:picAttrSrcUrl xmlns:a1611="http://schemas.microsoft.com/office/drawing/2016/11/main" r:id="rId12"/>
               </a:ext>
             </a:extLst>
           </a:blip>
@@ -12864,44 +13121,8 @@
         </p:blipFill>
         <p:spPr>
           <a:xfrm>
-            <a:off x="3649480" y="2704749"/>
-            <a:ext cx="1526665" cy="1526665"/>
-          </a:xfrm>
-          <a:prstGeom prst="rect">
-            <a:avLst/>
-          </a:prstGeom>
-        </p:spPr>
-      </p:pic>
-      <p:pic>
-        <p:nvPicPr>
-          <p:cNvPr id="16" name="Picture 17" descr="Icon&#10;&#10;Description automatically generated">
-            <a:extLst>
-              <a:ext uri="{FF2B5EF4-FFF2-40B4-BE49-F238E27FC236}">
-                <a16:creationId xmlns:a16="http://schemas.microsoft.com/office/drawing/2014/main" id="{715B8E19-4D71-723B-A89F-D0AEDC99F8F4}"/>
-              </a:ext>
-            </a:extLst>
-          </p:cNvPr>
-          <p:cNvPicPr>
-            <a:picLocks noChangeAspect="1"/>
-          </p:cNvPicPr>
-          <p:nvPr/>
-        </p:nvPicPr>
-        <p:blipFill>
-          <a:blip r:embed="rId13">
-            <a:extLst>
-              <a:ext uri="{837473B0-CC2E-450A-ABE3-18F120FF3D39}">
-                <a1611:picAttrSrcUrl xmlns:a1611="http://schemas.microsoft.com/office/drawing/2016/11/main" xmlns="" r:id="rId14"/>
-              </a:ext>
-            </a:extLst>
-          </a:blip>
-          <a:stretch>
-            <a:fillRect/>
-          </a:stretch>
-        </p:blipFill>
-        <p:spPr>
-          <a:xfrm rot="10800000">
-            <a:off x="7263859" y="1796328"/>
-            <a:ext cx="1341282" cy="1341282"/>
+            <a:off x="1947704" y="1131127"/>
+            <a:ext cx="1405614" cy="1405614"/>
           </a:xfrm>
           <a:prstGeom prst="rect">
             <a:avLst/>
@@ -12923,10 +13144,10 @@
           <p:nvPr/>
         </p:nvPicPr>
         <p:blipFill>
-          <a:blip r:embed="rId15">
+          <a:blip r:embed="rId13">
             <a:extLst>
               <a:ext uri="{837473B0-CC2E-450A-ABE3-18F120FF3D39}">
-                <a1611:picAttrSrcUrl xmlns:a1611="http://schemas.microsoft.com/office/drawing/2016/11/main" xmlns="" r:id="rId16"/>
+                <a1611:picAttrSrcUrl xmlns:a1611="http://schemas.microsoft.com/office/drawing/2016/11/main" r:id="rId14"/>
               </a:ext>
             </a:extLst>
           </a:blip>
@@ -12936,8 +13157,8 @@
         </p:blipFill>
         <p:spPr>
           <a:xfrm>
-            <a:off x="5716712" y="322460"/>
-            <a:ext cx="1341282" cy="1341282"/>
+            <a:off x="6797798" y="1733347"/>
+            <a:ext cx="986049" cy="986049"/>
           </a:xfrm>
           <a:prstGeom prst="rect">
             <a:avLst/>
@@ -12959,105 +13180,15 @@
           <p:nvPr/>
         </p:nvPicPr>
         <p:blipFill>
-          <a:blip r:embed="rId17"/>
+          <a:blip r:embed="rId15"/>
           <a:stretch>
             <a:fillRect/>
           </a:stretch>
         </p:blipFill>
         <p:spPr>
           <a:xfrm rot="21396429">
-            <a:off x="4753411" y="3151892"/>
+            <a:off x="377746" y="2412278"/>
             <a:ext cx="2860328" cy="2159045"/>
-          </a:xfrm>
-          <a:prstGeom prst="rect">
-            <a:avLst/>
-          </a:prstGeom>
-        </p:spPr>
-      </p:pic>
-      <p:pic>
-        <p:nvPicPr>
-          <p:cNvPr id="19" name="Картина 58">
-            <a:extLst>
-              <a:ext uri="{FF2B5EF4-FFF2-40B4-BE49-F238E27FC236}">
-                <a16:creationId xmlns:a16="http://schemas.microsoft.com/office/drawing/2014/main" id="{D50D0B85-C8E0-D49F-D516-22C30C7BCA66}"/>
-              </a:ext>
-            </a:extLst>
-          </p:cNvPr>
-          <p:cNvPicPr>
-            <a:picLocks noChangeAspect="1"/>
-          </p:cNvPicPr>
-          <p:nvPr/>
-        </p:nvPicPr>
-        <p:blipFill>
-          <a:blip r:embed="rId18"/>
-          <a:stretch>
-            <a:fillRect/>
-          </a:stretch>
-        </p:blipFill>
-        <p:spPr>
-          <a:xfrm>
-            <a:off x="7277714" y="3242391"/>
-            <a:ext cx="1411680" cy="1411680"/>
-          </a:xfrm>
-          <a:prstGeom prst="rect">
-            <a:avLst/>
-          </a:prstGeom>
-        </p:spPr>
-      </p:pic>
-      <p:pic>
-        <p:nvPicPr>
-          <p:cNvPr id="20" name="Картина 60">
-            <a:extLst>
-              <a:ext uri="{FF2B5EF4-FFF2-40B4-BE49-F238E27FC236}">
-                <a16:creationId xmlns:a16="http://schemas.microsoft.com/office/drawing/2014/main" id="{122E39DD-DB58-0F44-C929-39A836FECAD7}"/>
-              </a:ext>
-            </a:extLst>
-          </p:cNvPr>
-          <p:cNvPicPr>
-            <a:picLocks noChangeAspect="1"/>
-          </p:cNvPicPr>
-          <p:nvPr/>
-        </p:nvPicPr>
-        <p:blipFill>
-          <a:blip r:embed="rId19"/>
-          <a:stretch>
-            <a:fillRect/>
-          </a:stretch>
-        </p:blipFill>
-        <p:spPr>
-          <a:xfrm>
-            <a:off x="2065899" y="3294448"/>
-            <a:ext cx="1526665" cy="1526665"/>
-          </a:xfrm>
-          <a:prstGeom prst="rect">
-            <a:avLst/>
-          </a:prstGeom>
-        </p:spPr>
-      </p:pic>
-      <p:pic>
-        <p:nvPicPr>
-          <p:cNvPr id="21" name="Picture 20">
-            <a:extLst>
-              <a:ext uri="{FF2B5EF4-FFF2-40B4-BE49-F238E27FC236}">
-                <a16:creationId xmlns:a16="http://schemas.microsoft.com/office/drawing/2014/main" id="{53EBEE60-DDD3-430D-AF72-FC18DA7B6CCE}"/>
-              </a:ext>
-            </a:extLst>
-          </p:cNvPr>
-          <p:cNvPicPr>
-            <a:picLocks noChangeAspect="1"/>
-          </p:cNvPicPr>
-          <p:nvPr/>
-        </p:nvPicPr>
-        <p:blipFill>
-          <a:blip r:embed="rId20"/>
-          <a:stretch>
-            <a:fillRect/>
-          </a:stretch>
-        </p:blipFill>
-        <p:spPr>
-          <a:xfrm>
-            <a:off x="5656559" y="2189699"/>
-            <a:ext cx="870622" cy="870622"/>
           </a:xfrm>
           <a:prstGeom prst="rect">
             <a:avLst/>
@@ -13099,7 +13230,7 @@
               <a:buNone/>
             </a:pPr>
             <a:r>
-              <a:rPr lang="en" sz="3600" b="1" dirty="0" smtClean="0">
+              <a:rPr lang="en" sz="3600" b="1" dirty="0">
                 <a:solidFill>
                   <a:schemeClr val="tx1"/>
                 </a:solidFill>
@@ -13118,18 +13249,88 @@
           </a:p>
         </p:txBody>
       </p:sp>
+      <p:pic>
+        <p:nvPicPr>
+          <p:cNvPr id="1026" name="Picture 2">
+            <a:extLst>
+              <a:ext uri="{FF2B5EF4-FFF2-40B4-BE49-F238E27FC236}">
+                <a16:creationId xmlns:a16="http://schemas.microsoft.com/office/drawing/2014/main" id="{B1D55ED5-46DA-7FAA-A110-E862BEDD373C}"/>
+              </a:ext>
+            </a:extLst>
+          </p:cNvPr>
+          <p:cNvPicPr>
+            <a:picLocks noChangeAspect="1" noChangeArrowheads="1"/>
+          </p:cNvPicPr>
+          <p:nvPr/>
+        </p:nvPicPr>
+        <p:blipFill>
+          <a:blip r:embed="rId16">
+            <a:extLst>
+              <a:ext uri="{28A0092B-C50C-407E-A947-70E740481C1C}">
+                <a14:useLocalDpi xmlns:a14="http://schemas.microsoft.com/office/drawing/2010/main" val="0"/>
+              </a:ext>
+            </a:extLst>
+          </a:blip>
+          <a:srcRect/>
+          <a:stretch>
+            <a:fillRect/>
+          </a:stretch>
+        </p:blipFill>
+        <p:spPr bwMode="auto">
+          <a:xfrm>
+            <a:off x="7290823" y="3035477"/>
+            <a:ext cx="1125603" cy="1125603"/>
+          </a:xfrm>
+          <a:prstGeom prst="rect">
+            <a:avLst/>
+          </a:prstGeom>
+          <a:noFill/>
+          <a:extLst>
+            <a:ext uri="{909E8E84-426E-40DD-AFC4-6F175D3DCCD1}">
+              <a14:hiddenFill xmlns:a14="http://schemas.microsoft.com/office/drawing/2010/main">
+                <a:solidFill>
+                  <a:srgbClr val="FFFFFF"/>
+                </a:solidFill>
+              </a14:hiddenFill>
+            </a:ext>
+          </a:extLst>
+        </p:spPr>
+      </p:pic>
+      <p:pic>
+        <p:nvPicPr>
+          <p:cNvPr id="3" name="Picture 2" descr="A blue circle with a black logo&#10;&#10;Description automatically generated">
+            <a:extLst>
+              <a:ext uri="{FF2B5EF4-FFF2-40B4-BE49-F238E27FC236}">
+                <a16:creationId xmlns:a16="http://schemas.microsoft.com/office/drawing/2014/main" id="{482C7D88-2E71-E894-C7AE-67DE8AFCAB3C}"/>
+              </a:ext>
+            </a:extLst>
+          </p:cNvPr>
+          <p:cNvPicPr>
+            <a:picLocks noChangeAspect="1"/>
+          </p:cNvPicPr>
+          <p:nvPr/>
+        </p:nvPicPr>
+        <p:blipFill>
+          <a:blip r:embed="rId17"/>
+          <a:stretch>
+            <a:fillRect/>
+          </a:stretch>
+        </p:blipFill>
+        <p:spPr>
+          <a:xfrm>
+            <a:off x="4373355" y="772634"/>
+            <a:ext cx="2303961" cy="1728969"/>
+          </a:xfrm>
+          <a:prstGeom prst="rect">
+            <a:avLst/>
+          </a:prstGeom>
+        </p:spPr>
+      </p:pic>
     </p:spTree>
   </p:cSld>
   <p:clrMapOvr>
     <a:masterClrMapping/>
   </p:clrMapOvr>
-  <p:timing>
-    <p:tnLst>
-      <p:par>
-        <p:cTn id="1" dur="indefinite" restart="never" nodeType="tmRoot"/>
-      </p:par>
-    </p:tnLst>
-  </p:timing>
 </p:sld>
 </file>
 
@@ -13185,11 +13386,11 @@
               <a:buNone/>
             </a:pPr>
             <a:r>
-              <a:rPr lang="en-US" sz="5400" dirty="0" smtClean="0">
+              <a:rPr lang="en-US" sz="5400" dirty="0">
                 <a:latin typeface="Cambria" panose="02040503050406030204" pitchFamily="18" charset="0"/>
                 <a:ea typeface="Cambria" panose="02040503050406030204" pitchFamily="18" charset="0"/>
               </a:rPr>
-              <a:t>Let’s get to the app</a:t>
+              <a:t>Let’s get to the app!</a:t>
             </a:r>
             <a:endParaRPr sz="5400" dirty="0">
               <a:latin typeface="Cambria" panose="02040503050406030204" pitchFamily="18" charset="0"/>
@@ -13413,13 +13614,6 @@
   <p:clrMapOvr>
     <a:masterClrMapping/>
   </p:clrMapOvr>
-  <p:timing>
-    <p:tnLst>
-      <p:par>
-        <p:cTn id="1" dur="indefinite" restart="never" nodeType="tmRoot"/>
-      </p:par>
-    </p:tnLst>
-  </p:timing>
 </p:sld>
 </file>
 

--- a/docs/presentation/Horizon.pptx
+++ b/docs/presentation/Horizon.pptx
@@ -292,7 +292,7 @@
 <file path=ppt/revisionInfo.xml><?xml version="1.0" encoding="utf-8"?>
 <p1510:revInfo xmlns:a="http://schemas.openxmlformats.org/drawingml/2006/main" xmlns:r="http://schemas.openxmlformats.org/officeDocument/2006/relationships" xmlns:p1510="http://schemas.microsoft.com/office/powerpoint/2015/10/main">
   <p1510:revLst>
-    <p1510:client id="{978BEEFD-62D3-4C91-BFC4-F47A4EEB444E}" v="32" dt="2024-01-23T19:29:45.699"/>
+    <p1510:client id="{978BEEFD-62D3-4C91-BFC4-F47A4EEB444E}" v="52" dt="2024-01-23T21:39:58.916"/>
   </p1510:revLst>
 </p1510:revInfo>
 </file>
@@ -302,7 +302,7 @@
   <pc:docChgLst>
     <pc:chgData name="Божидар Димов" userId="6c33bdc79629dce9" providerId="LiveId" clId="{978BEEFD-62D3-4C91-BFC4-F47A4EEB444E}"/>
     <pc:docChg chg="custSel modSld">
-      <pc:chgData name="Божидар Димов" userId="6c33bdc79629dce9" providerId="LiveId" clId="{978BEEFD-62D3-4C91-BFC4-F47A4EEB444E}" dt="2024-01-23T19:31:27.870" v="114" actId="20577"/>
+      <pc:chgData name="Божидар Димов" userId="6c33bdc79629dce9" providerId="LiveId" clId="{978BEEFD-62D3-4C91-BFC4-F47A4EEB444E}" dt="2024-01-23T21:40:03.994" v="148" actId="1076"/>
       <pc:docMkLst>
         <pc:docMk/>
       </pc:docMkLst>
@@ -353,17 +353,33 @@
         </pc:spChg>
       </pc:sldChg>
       <pc:sldChg chg="addSp delSp modSp mod">
-        <pc:chgData name="Божидар Димов" userId="6c33bdc79629dce9" providerId="LiveId" clId="{978BEEFD-62D3-4C91-BFC4-F47A4EEB444E}" dt="2024-01-23T19:30:44.845" v="111" actId="1076"/>
+        <pc:chgData name="Божидар Димов" userId="6c33bdc79629dce9" providerId="LiveId" clId="{978BEEFD-62D3-4C91-BFC4-F47A4EEB444E}" dt="2024-01-23T21:40:03.994" v="148" actId="1076"/>
         <pc:sldMkLst>
           <pc:docMk/>
           <pc:sldMk cId="0" sldId="266"/>
         </pc:sldMkLst>
         <pc:picChg chg="add mod">
-          <ac:chgData name="Божидар Димов" userId="6c33bdc79629dce9" providerId="LiveId" clId="{978BEEFD-62D3-4C91-BFC4-F47A4EEB444E}" dt="2024-01-23T19:30:44.845" v="111" actId="1076"/>
+          <ac:chgData name="Божидар Димов" userId="6c33bdc79629dce9" providerId="LiveId" clId="{978BEEFD-62D3-4C91-BFC4-F47A4EEB444E}" dt="2024-01-23T21:39:17.186" v="138" actId="1076"/>
+          <ac:picMkLst>
+            <pc:docMk/>
+            <pc:sldMk cId="0" sldId="266"/>
+            <ac:picMk id="2" creationId="{875AF4AD-A423-33E3-FC5A-DC3428BBDF92}"/>
+          </ac:picMkLst>
+        </pc:picChg>
+        <pc:picChg chg="add mod">
+          <ac:chgData name="Божидар Димов" userId="6c33bdc79629dce9" providerId="LiveId" clId="{978BEEFD-62D3-4C91-BFC4-F47A4EEB444E}" dt="2024-01-23T21:40:03.994" v="148" actId="1076"/>
           <ac:picMkLst>
             <pc:docMk/>
             <pc:sldMk cId="0" sldId="266"/>
             <ac:picMk id="3" creationId="{482C7D88-2E71-E894-C7AE-67DE8AFCAB3C}"/>
+          </ac:picMkLst>
+        </pc:picChg>
+        <pc:picChg chg="add mod">
+          <ac:chgData name="Божидар Димов" userId="6c33bdc79629dce9" providerId="LiveId" clId="{978BEEFD-62D3-4C91-BFC4-F47A4EEB444E}" dt="2024-01-23T21:39:58.916" v="147" actId="1076"/>
+          <ac:picMkLst>
+            <pc:docMk/>
+            <pc:sldMk cId="0" sldId="266"/>
+            <ac:picMk id="4" creationId="{4121AE5D-2474-138A-A097-56A98B871D80}"/>
           </ac:picMkLst>
         </pc:picChg>
         <pc:picChg chg="mod">
@@ -383,7 +399,7 @@
           </ac:picMkLst>
         </pc:picChg>
         <pc:picChg chg="mod">
-          <ac:chgData name="Божидар Димов" userId="6c33bdc79629dce9" providerId="LiveId" clId="{978BEEFD-62D3-4C91-BFC4-F47A4EEB444E}" dt="2024-01-23T19:30:29.661" v="107" actId="1076"/>
+          <ac:chgData name="Божидар Димов" userId="6c33bdc79629dce9" providerId="LiveId" clId="{978BEEFD-62D3-4C91-BFC4-F47A4EEB444E}" dt="2024-01-23T21:39:57.026" v="146" actId="1076"/>
           <ac:picMkLst>
             <pc:docMk/>
             <pc:sldMk cId="0" sldId="266"/>
@@ -391,7 +407,7 @@
           </ac:picMkLst>
         </pc:picChg>
         <pc:picChg chg="mod">
-          <ac:chgData name="Божидар Димов" userId="6c33bdc79629dce9" providerId="LiveId" clId="{978BEEFD-62D3-4C91-BFC4-F47A4EEB444E}" dt="2024-01-23T19:30:15.347" v="99" actId="1076"/>
+          <ac:chgData name="Божидар Димов" userId="6c33bdc79629dce9" providerId="LiveId" clId="{978BEEFD-62D3-4C91-BFC4-F47A4EEB444E}" dt="2024-01-23T21:39:15.100" v="137" actId="1076"/>
           <ac:picMkLst>
             <pc:docMk/>
             <pc:sldMk cId="0" sldId="266"/>
@@ -415,7 +431,7 @@
           </ac:picMkLst>
         </pc:picChg>
         <pc:picChg chg="mod">
-          <ac:chgData name="Божидар Димов" userId="6c33bdc79629dce9" providerId="LiveId" clId="{978BEEFD-62D3-4C91-BFC4-F47A4EEB444E}" dt="2024-01-23T19:30:24.829" v="105" actId="1076"/>
+          <ac:chgData name="Божидар Димов" userId="6c33bdc79629dce9" providerId="LiveId" clId="{978BEEFD-62D3-4C91-BFC4-F47A4EEB444E}" dt="2024-01-23T21:38:50.860" v="127" actId="1076"/>
           <ac:picMkLst>
             <pc:docMk/>
             <pc:sldMk cId="0" sldId="266"/>
@@ -455,7 +471,7 @@
           </ac:picMkLst>
         </pc:picChg>
         <pc:picChg chg="add mod">
-          <ac:chgData name="Божидар Димов" userId="6c33bdc79629dce9" providerId="LiveId" clId="{978BEEFD-62D3-4C91-BFC4-F47A4EEB444E}" dt="2024-01-23T19:29:45.699" v="96" actId="1076"/>
+          <ac:chgData name="Божидар Димов" userId="6c33bdc79629dce9" providerId="LiveId" clId="{978BEEFD-62D3-4C91-BFC4-F47A4EEB444E}" dt="2024-01-23T21:39:19.815" v="139" actId="1076"/>
           <ac:picMkLst>
             <pc:docMk/>
             <pc:sldMk cId="0" sldId="266"/>
@@ -10238,15 +10254,6 @@
           <a:effectLst>
             <a:reflection blurRad="12700" stA="38000" endPos="28000" dist="5000" dir="5400000" sy="-100000" algn="bl" rotWithShape="0"/>
           </a:effectLst>
-          <a:extLst>
-            <a:ext uri="{909E8E84-426E-40DD-AFC4-6F175D3DCCD1}">
-              <a14:hiddenFill xmlns:a14="http://schemas.microsoft.com/office/drawing/2010/main">
-                <a:solidFill>
-                  <a:srgbClr val="FFFFFF"/>
-                </a:solidFill>
-              </a14:hiddenFill>
-            </a:ext>
-          </a:extLst>
         </p:spPr>
       </p:pic>
       <p:pic>
@@ -10289,15 +10296,6 @@
           <a:effectLst>
             <a:reflection blurRad="12700" stA="38000" endPos="28000" dist="5000" dir="5400000" sy="-100000" algn="bl" rotWithShape="0"/>
           </a:effectLst>
-          <a:extLst>
-            <a:ext uri="{909E8E84-426E-40DD-AFC4-6F175D3DCCD1}">
-              <a14:hiddenFill xmlns:a14="http://schemas.microsoft.com/office/drawing/2010/main">
-                <a:solidFill>
-                  <a:srgbClr val="FFFFFF"/>
-                </a:solidFill>
-              </a14:hiddenFill>
-            </a:ext>
-          </a:extLst>
         </p:spPr>
       </p:pic>
       <p:pic>
@@ -10340,15 +10338,6 @@
           <a:effectLst>
             <a:reflection blurRad="12700" stA="38000" endPos="28000" dist="5000" dir="5400000" sy="-100000" algn="bl" rotWithShape="0"/>
           </a:effectLst>
-          <a:extLst>
-            <a:ext uri="{909E8E84-426E-40DD-AFC4-6F175D3DCCD1}">
-              <a14:hiddenFill xmlns:a14="http://schemas.microsoft.com/office/drawing/2010/main">
-                <a:solidFill>
-                  <a:srgbClr val="FFFFFF"/>
-                </a:solidFill>
-              </a14:hiddenFill>
-            </a:ext>
-          </a:extLst>
         </p:spPr>
       </p:pic>
       <p:sp>
@@ -10688,15 +10677,6 @@
           <a:effectLst>
             <a:reflection blurRad="12700" stA="38000" endPos="28000" dist="5000" dir="5400000" sy="-100000" algn="bl" rotWithShape="0"/>
           </a:effectLst>
-          <a:extLst>
-            <a:ext uri="{909E8E84-426E-40DD-AFC4-6F175D3DCCD1}">
-              <a14:hiddenFill xmlns:a14="http://schemas.microsoft.com/office/drawing/2010/main">
-                <a:solidFill>
-                  <a:srgbClr val="FFFFFF"/>
-                </a:solidFill>
-              </a14:hiddenFill>
-            </a:ext>
-          </a:extLst>
         </p:spPr>
       </p:pic>
     </p:spTree>
@@ -13040,8 +13020,8 @@
         </p:blipFill>
         <p:spPr>
           <a:xfrm>
-            <a:off x="3456514" y="2178019"/>
-            <a:ext cx="986049" cy="1108484"/>
+            <a:off x="4589718" y="1926877"/>
+            <a:ext cx="1147289" cy="1289745"/>
           </a:xfrm>
           <a:prstGeom prst="rect">
             <a:avLst/>
@@ -13076,7 +13056,7 @@
         </p:blipFill>
         <p:spPr>
           <a:xfrm>
-            <a:off x="5373968" y="2889796"/>
+            <a:off x="5693328" y="3234903"/>
             <a:ext cx="1255886" cy="1255886"/>
           </a:xfrm>
           <a:prstGeom prst="rect">
@@ -13157,7 +13137,7 @@
         </p:blipFill>
         <p:spPr>
           <a:xfrm>
-            <a:off x="6797798" y="1733347"/>
+            <a:off x="6949214" y="279609"/>
             <a:ext cx="986049" cy="986049"/>
           </a:xfrm>
           <a:prstGeom prst="rect">
@@ -13278,7 +13258,7 @@
         </p:blipFill>
         <p:spPr bwMode="auto">
           <a:xfrm>
-            <a:off x="7290823" y="3035477"/>
+            <a:off x="7579347" y="3254329"/>
             <a:ext cx="1125603" cy="1125603"/>
           </a:xfrm>
           <a:prstGeom prst="rect">
@@ -13318,12 +13298,106 @@
         </p:blipFill>
         <p:spPr>
           <a:xfrm>
-            <a:off x="4373355" y="772634"/>
+            <a:off x="5023286" y="540436"/>
             <a:ext cx="2303961" cy="1728969"/>
           </a:xfrm>
           <a:prstGeom prst="rect">
             <a:avLst/>
           </a:prstGeom>
+        </p:spPr>
+      </p:pic>
+      <p:pic>
+        <p:nvPicPr>
+          <p:cNvPr id="2" name="Picture 2">
+            <a:extLst>
+              <a:ext uri="{FF2B5EF4-FFF2-40B4-BE49-F238E27FC236}">
+                <a16:creationId xmlns:a16="http://schemas.microsoft.com/office/drawing/2014/main" id="{875AF4AD-A423-33E3-FC5A-DC3428BBDF92}"/>
+              </a:ext>
+            </a:extLst>
+          </p:cNvPr>
+          <p:cNvPicPr>
+            <a:picLocks noChangeAspect="1" noChangeArrowheads="1"/>
+          </p:cNvPicPr>
+          <p:nvPr/>
+        </p:nvPicPr>
+        <p:blipFill>
+          <a:blip r:embed="rId18">
+            <a:extLst>
+              <a:ext uri="{28A0092B-C50C-407E-A947-70E740481C1C}">
+                <a14:useLocalDpi xmlns:a14="http://schemas.microsoft.com/office/drawing/2010/main" val="0"/>
+              </a:ext>
+            </a:extLst>
+          </a:blip>
+          <a:srcRect/>
+          <a:stretch>
+            <a:fillRect/>
+          </a:stretch>
+        </p:blipFill>
+        <p:spPr bwMode="auto">
+          <a:xfrm>
+            <a:off x="6839997" y="1699680"/>
+            <a:ext cx="1230000" cy="1230000"/>
+          </a:xfrm>
+          <a:prstGeom prst="rect">
+            <a:avLst/>
+          </a:prstGeom>
+          <a:noFill/>
+          <a:extLst>
+            <a:ext uri="{909E8E84-426E-40DD-AFC4-6F175D3DCCD1}">
+              <a14:hiddenFill xmlns:a14="http://schemas.microsoft.com/office/drawing/2010/main">
+                <a:solidFill>
+                  <a:srgbClr val="FFFFFF"/>
+                </a:solidFill>
+              </a14:hiddenFill>
+            </a:ext>
+          </a:extLst>
+        </p:spPr>
+      </p:pic>
+      <p:pic>
+        <p:nvPicPr>
+          <p:cNvPr id="4" name="Picture 2">
+            <a:extLst>
+              <a:ext uri="{FF2B5EF4-FFF2-40B4-BE49-F238E27FC236}">
+                <a16:creationId xmlns:a16="http://schemas.microsoft.com/office/drawing/2014/main" id="{4121AE5D-2474-138A-A097-56A98B871D80}"/>
+              </a:ext>
+            </a:extLst>
+          </p:cNvPr>
+          <p:cNvPicPr>
+            <a:picLocks noChangeAspect="1" noChangeArrowheads="1"/>
+          </p:cNvPicPr>
+          <p:nvPr/>
+        </p:nvPicPr>
+        <p:blipFill>
+          <a:blip r:embed="rId19">
+            <a:extLst>
+              <a:ext uri="{28A0092B-C50C-407E-A947-70E740481C1C}">
+                <a14:useLocalDpi xmlns:a14="http://schemas.microsoft.com/office/drawing/2010/main" val="0"/>
+              </a:ext>
+            </a:extLst>
+          </a:blip>
+          <a:srcRect/>
+          <a:stretch>
+            <a:fillRect/>
+          </a:stretch>
+        </p:blipFill>
+        <p:spPr bwMode="auto">
+          <a:xfrm>
+            <a:off x="2986159" y="2329530"/>
+            <a:ext cx="1255886" cy="1376081"/>
+          </a:xfrm>
+          <a:prstGeom prst="rect">
+            <a:avLst/>
+          </a:prstGeom>
+          <a:noFill/>
+          <a:extLst>
+            <a:ext uri="{909E8E84-426E-40DD-AFC4-6F175D3DCCD1}">
+              <a14:hiddenFill xmlns:a14="http://schemas.microsoft.com/office/drawing/2010/main">
+                <a:solidFill>
+                  <a:srgbClr val="FFFFFF"/>
+                </a:solidFill>
+              </a14:hiddenFill>
+            </a:ext>
+          </a:extLst>
         </p:spPr>
       </p:pic>
     </p:spTree>
